--- a/5-2 Visuals.pptx
+++ b/5-2 Visuals.pptx
@@ -6988,8 +6988,8 @@
           </a:p>
         </p:txBody>
       </p:sp>
-      <mc:AlternateContent xmlns:mc="http://schemas.openxmlformats.org/markup-compatibility/2006">
-        <mc:Choice xmlns:a14="http://schemas.microsoft.com/office/drawing/2010/main" Requires="a14">
+      <mc:AlternateContent xmlns:mc="http://schemas.openxmlformats.org/markup-compatibility/2006" xmlns:a14="http://schemas.microsoft.com/office/drawing/2010/main">
+        <mc:Choice Requires="a14">
           <p:sp>
             <p:nvSpPr>
               <p:cNvPr id="14" name="TextBox 13">
@@ -7039,7 +7039,7 @@
             </p:txBody>
           </p:sp>
         </mc:Choice>
-        <mc:Fallback>
+        <mc:Fallback xmlns="">
           <p:sp>
             <p:nvSpPr>
               <p:cNvPr id="14" name="TextBox 13">
@@ -7128,8 +7128,8 @@
         </p:nvSpPr>
         <p:spPr>
           <a:xfrm>
-            <a:off x="2857847" y="3315143"/>
-            <a:ext cx="3311708" cy="1960279"/>
+            <a:off x="2857847" y="3886200"/>
+            <a:ext cx="3311708" cy="1389222"/>
           </a:xfrm>
           <a:custGeom>
             <a:avLst/>
@@ -7351,8 +7351,8 @@
         </p:nvCxnSpPr>
         <p:spPr>
           <a:xfrm flipV="1">
-            <a:off x="2489982" y="2628900"/>
-            <a:ext cx="0" cy="3040382"/>
+            <a:off x="2489982" y="3501932"/>
+            <a:ext cx="0" cy="2026671"/>
           </a:xfrm>
           <a:prstGeom prst="straightConnector1">
             <a:avLst/>
@@ -7394,8 +7394,8 @@
         </p:nvSpPr>
         <p:spPr>
           <a:xfrm>
-            <a:off x="1927275" y="3321748"/>
-            <a:ext cx="5034240" cy="618649"/>
+            <a:off x="1927276" y="3871301"/>
+            <a:ext cx="5034240" cy="438428"/>
           </a:xfrm>
           <a:custGeom>
             <a:avLst/>
@@ -7635,8 +7635,8 @@
         </p:nvCxnSpPr>
         <p:spPr>
           <a:xfrm flipV="1">
-            <a:off x="6170295" y="3208020"/>
-            <a:ext cx="0" cy="2067402"/>
+            <a:off x="6170295" y="3770142"/>
+            <a:ext cx="0" cy="1505280"/>
           </a:xfrm>
           <a:prstGeom prst="straightConnector1">
             <a:avLst/>
@@ -7681,8 +7681,8 @@
         </p:nvCxnSpPr>
         <p:spPr>
           <a:xfrm flipV="1">
-            <a:off x="2857992" y="3208020"/>
-            <a:ext cx="0" cy="2067402"/>
+            <a:off x="2857992" y="3770142"/>
+            <a:ext cx="0" cy="1505280"/>
           </a:xfrm>
           <a:prstGeom prst="straightConnector1">
             <a:avLst/>
@@ -7711,8 +7711,8 @@
           </a:fontRef>
         </p:style>
       </p:cxnSp>
-      <mc:AlternateContent xmlns:mc="http://schemas.openxmlformats.org/markup-compatibility/2006" xmlns:a14="http://schemas.microsoft.com/office/drawing/2010/main">
-        <mc:Choice Requires="a14">
+      <mc:AlternateContent xmlns:mc="http://schemas.openxmlformats.org/markup-compatibility/2006">
+        <mc:Choice xmlns:a14="http://schemas.microsoft.com/office/drawing/2010/main" Requires="a14">
           <p:sp>
             <p:nvSpPr>
               <p:cNvPr id="15" name="TextBox 14">
@@ -7762,7 +7762,7 @@
             </p:txBody>
           </p:sp>
         </mc:Choice>
-        <mc:Fallback xmlns="">
+        <mc:Fallback>
           <p:sp>
             <p:nvSpPr>
               <p:cNvPr id="15" name="TextBox 14">
@@ -7807,8 +7807,8 @@
           </p:sp>
         </mc:Fallback>
       </mc:AlternateContent>
-      <mc:AlternateContent xmlns:mc="http://schemas.openxmlformats.org/markup-compatibility/2006" xmlns:a14="http://schemas.microsoft.com/office/drawing/2010/main">
-        <mc:Choice Requires="a14">
+      <mc:AlternateContent xmlns:mc="http://schemas.openxmlformats.org/markup-compatibility/2006">
+        <mc:Choice xmlns:a14="http://schemas.microsoft.com/office/drawing/2010/main" Requires="a14">
           <p:sp>
             <p:nvSpPr>
               <p:cNvPr id="16" name="TextBox 15">
@@ -7858,7 +7858,7 @@
             </p:txBody>
           </p:sp>
         </mc:Choice>
-        <mc:Fallback xmlns="">
+        <mc:Fallback>
           <p:sp>
             <p:nvSpPr>
               <p:cNvPr id="16" name="TextBox 15">
@@ -7919,7 +7919,7 @@
             </p:nvSpPr>
             <p:spPr>
               <a:xfrm>
-                <a:off x="2978114" y="2942509"/>
+                <a:off x="2594379" y="3501931"/>
                 <a:ext cx="247888" cy="369332"/>
               </a:xfrm>
               <a:prstGeom prst="rect">
@@ -7971,7 +7971,7 @@
             </p:nvSpPr>
             <p:spPr>
               <a:xfrm>
-                <a:off x="2978114" y="2942509"/>
+                <a:off x="2594379" y="3501931"/>
                 <a:ext cx="247888" cy="369332"/>
               </a:xfrm>
               <a:prstGeom prst="rect">
@@ -7980,7 +7980,7 @@
               <a:blipFill>
                 <a:blip r:embed="rId4"/>
                 <a:stretch>
-                  <a:fillRect l="-45000" r="-40000" b="-35000"/>
+                  <a:fillRect l="-45000" r="-40000" b="-34426"/>
                 </a:stretch>
               </a:blipFill>
             </p:spPr>
@@ -8681,8 +8681,8 @@
           </p:sp>
         </mc:Fallback>
       </mc:AlternateContent>
-      <mc:AlternateContent xmlns:mc="http://schemas.openxmlformats.org/markup-compatibility/2006">
-        <mc:Choice xmlns:a14="http://schemas.microsoft.com/office/drawing/2010/main" Requires="a14">
+      <mc:AlternateContent xmlns:mc="http://schemas.openxmlformats.org/markup-compatibility/2006" xmlns:a14="http://schemas.microsoft.com/office/drawing/2010/main">
+        <mc:Choice Requires="a14">
           <p:sp>
             <p:nvSpPr>
               <p:cNvPr id="22" name="TextBox 21">
@@ -8732,7 +8732,7 @@
             </p:txBody>
           </p:sp>
         </mc:Choice>
-        <mc:Fallback>
+        <mc:Fallback xmlns="">
           <p:sp>
             <p:nvSpPr>
               <p:cNvPr id="22" name="TextBox 21">
@@ -8777,8 +8777,8 @@
           </p:sp>
         </mc:Fallback>
       </mc:AlternateContent>
-      <mc:AlternateContent xmlns:mc="http://schemas.openxmlformats.org/markup-compatibility/2006">
-        <mc:Choice xmlns:a14="http://schemas.microsoft.com/office/drawing/2010/main" Requires="a14">
+      <mc:AlternateContent xmlns:mc="http://schemas.openxmlformats.org/markup-compatibility/2006" xmlns:a14="http://schemas.microsoft.com/office/drawing/2010/main">
+        <mc:Choice Requires="a14">
           <p:sp>
             <p:nvSpPr>
               <p:cNvPr id="23" name="TextBox 22">
@@ -8828,7 +8828,7 @@
             </p:txBody>
           </p:sp>
         </mc:Choice>
-        <mc:Fallback>
+        <mc:Fallback xmlns="">
           <p:sp>
             <p:nvSpPr>
               <p:cNvPr id="23" name="TextBox 22">
@@ -10339,8 +10339,8 @@
           </p:sp>
         </mc:Fallback>
       </mc:AlternateContent>
-      <mc:AlternateContent xmlns:mc="http://schemas.openxmlformats.org/markup-compatibility/2006">
-        <mc:Choice xmlns:a14="http://schemas.microsoft.com/office/drawing/2010/main" Requires="a14">
+      <mc:AlternateContent xmlns:mc="http://schemas.openxmlformats.org/markup-compatibility/2006" xmlns:a14="http://schemas.microsoft.com/office/drawing/2010/main">
+        <mc:Choice Requires="a14">
           <p:sp>
             <p:nvSpPr>
               <p:cNvPr id="11" name="TextBox 10">
@@ -10390,7 +10390,7 @@
             </p:txBody>
           </p:sp>
         </mc:Choice>
-        <mc:Fallback>
+        <mc:Fallback xmlns="">
           <p:sp>
             <p:nvSpPr>
               <p:cNvPr id="11" name="TextBox 10">
@@ -10435,8 +10435,8 @@
           </p:sp>
         </mc:Fallback>
       </mc:AlternateContent>
-      <mc:AlternateContent xmlns:mc="http://schemas.openxmlformats.org/markup-compatibility/2006">
-        <mc:Choice xmlns:a14="http://schemas.microsoft.com/office/drawing/2010/main" Requires="a14">
+      <mc:AlternateContent xmlns:mc="http://schemas.openxmlformats.org/markup-compatibility/2006" xmlns:a14="http://schemas.microsoft.com/office/drawing/2010/main">
+        <mc:Choice Requires="a14">
           <p:sp>
             <p:nvSpPr>
               <p:cNvPr id="13" name="TextBox 12">
@@ -10486,7 +10486,7 @@
             </p:txBody>
           </p:sp>
         </mc:Choice>
-        <mc:Fallback>
+        <mc:Fallback xmlns="">
           <p:sp>
             <p:nvSpPr>
               <p:cNvPr id="13" name="TextBox 12">
@@ -10531,8 +10531,8 @@
           </p:sp>
         </mc:Fallback>
       </mc:AlternateContent>
-      <mc:AlternateContent xmlns:mc="http://schemas.openxmlformats.org/markup-compatibility/2006">
-        <mc:Choice xmlns:a14="http://schemas.microsoft.com/office/drawing/2010/main" Requires="a14">
+      <mc:AlternateContent xmlns:mc="http://schemas.openxmlformats.org/markup-compatibility/2006" xmlns:a14="http://schemas.microsoft.com/office/drawing/2010/main">
+        <mc:Choice Requires="a14">
           <p:sp>
             <p:nvSpPr>
               <p:cNvPr id="14" name="TextBox 13">
@@ -10582,7 +10582,7 @@
             </p:txBody>
           </p:sp>
         </mc:Choice>
-        <mc:Fallback>
+        <mc:Fallback xmlns="">
           <p:sp>
             <p:nvSpPr>
               <p:cNvPr id="14" name="TextBox 13">
